--- a/Mercadeo/fichas/ERP - Módulo FIN.pptx
+++ b/Mercadeo/fichas/ERP - Módulo FIN.pptx
@@ -263,7 +263,7 @@
           <a:p>
             <a:fld id="{7E325E00-7FBD-4648-A82B-8E5548B1221B}" type="datetimeFigureOut">
               <a:rPr lang="es-CO" smtClean="0"/>
-              <a:t>18/08/2020</a:t>
+              <a:t>19/08/2020</a:t>
             </a:fld>
             <a:endParaRPr lang="es-CO"/>
           </a:p>
@@ -463,7 +463,7 @@
           <a:p>
             <a:fld id="{7E325E00-7FBD-4648-A82B-8E5548B1221B}" type="datetimeFigureOut">
               <a:rPr lang="es-CO" smtClean="0"/>
-              <a:t>18/08/2020</a:t>
+              <a:t>19/08/2020</a:t>
             </a:fld>
             <a:endParaRPr lang="es-CO"/>
           </a:p>
@@ -673,7 +673,7 @@
           <a:p>
             <a:fld id="{7E325E00-7FBD-4648-A82B-8E5548B1221B}" type="datetimeFigureOut">
               <a:rPr lang="es-CO" smtClean="0"/>
-              <a:t>18/08/2020</a:t>
+              <a:t>19/08/2020</a:t>
             </a:fld>
             <a:endParaRPr lang="es-CO"/>
           </a:p>
@@ -873,7 +873,7 @@
           <a:p>
             <a:fld id="{7E325E00-7FBD-4648-A82B-8E5548B1221B}" type="datetimeFigureOut">
               <a:rPr lang="es-CO" smtClean="0"/>
-              <a:t>18/08/2020</a:t>
+              <a:t>19/08/2020</a:t>
             </a:fld>
             <a:endParaRPr lang="es-CO"/>
           </a:p>
@@ -1149,7 +1149,7 @@
           <a:p>
             <a:fld id="{7E325E00-7FBD-4648-A82B-8E5548B1221B}" type="datetimeFigureOut">
               <a:rPr lang="es-CO" smtClean="0"/>
-              <a:t>18/08/2020</a:t>
+              <a:t>19/08/2020</a:t>
             </a:fld>
             <a:endParaRPr lang="es-CO"/>
           </a:p>
@@ -1417,7 +1417,7 @@
           <a:p>
             <a:fld id="{7E325E00-7FBD-4648-A82B-8E5548B1221B}" type="datetimeFigureOut">
               <a:rPr lang="es-CO" smtClean="0"/>
-              <a:t>18/08/2020</a:t>
+              <a:t>19/08/2020</a:t>
             </a:fld>
             <a:endParaRPr lang="es-CO"/>
           </a:p>
@@ -1832,7 +1832,7 @@
           <a:p>
             <a:fld id="{7E325E00-7FBD-4648-A82B-8E5548B1221B}" type="datetimeFigureOut">
               <a:rPr lang="es-CO" smtClean="0"/>
-              <a:t>18/08/2020</a:t>
+              <a:t>19/08/2020</a:t>
             </a:fld>
             <a:endParaRPr lang="es-CO"/>
           </a:p>
@@ -1974,7 +1974,7 @@
           <a:p>
             <a:fld id="{7E325E00-7FBD-4648-A82B-8E5548B1221B}" type="datetimeFigureOut">
               <a:rPr lang="es-CO" smtClean="0"/>
-              <a:t>18/08/2020</a:t>
+              <a:t>19/08/2020</a:t>
             </a:fld>
             <a:endParaRPr lang="es-CO"/>
           </a:p>
@@ -2087,7 +2087,7 @@
           <a:p>
             <a:fld id="{7E325E00-7FBD-4648-A82B-8E5548B1221B}" type="datetimeFigureOut">
               <a:rPr lang="es-CO" smtClean="0"/>
-              <a:t>18/08/2020</a:t>
+              <a:t>19/08/2020</a:t>
             </a:fld>
             <a:endParaRPr lang="es-CO"/>
           </a:p>
@@ -2400,7 +2400,7 @@
           <a:p>
             <a:fld id="{7E325E00-7FBD-4648-A82B-8E5548B1221B}" type="datetimeFigureOut">
               <a:rPr lang="es-CO" smtClean="0"/>
-              <a:t>18/08/2020</a:t>
+              <a:t>19/08/2020</a:t>
             </a:fld>
             <a:endParaRPr lang="es-CO"/>
           </a:p>
@@ -2689,7 +2689,7 @@
           <a:p>
             <a:fld id="{7E325E00-7FBD-4648-A82B-8E5548B1221B}" type="datetimeFigureOut">
               <a:rPr lang="es-CO" smtClean="0"/>
-              <a:t>18/08/2020</a:t>
+              <a:t>19/08/2020</a:t>
             </a:fld>
             <a:endParaRPr lang="es-CO"/>
           </a:p>
@@ -2932,7 +2932,7 @@
           <a:p>
             <a:fld id="{7E325E00-7FBD-4648-A82B-8E5548B1221B}" type="datetimeFigureOut">
               <a:rPr lang="es-CO" smtClean="0"/>
-              <a:t>18/08/2020</a:t>
+              <a:t>19/08/2020</a:t>
             </a:fld>
             <a:endParaRPr lang="es-CO"/>
           </a:p>
@@ -3442,7 +3442,7 @@
                 <a:ea typeface="Roboto" panose="02000000000000000000" pitchFamily="2" charset="0"/>
                 <a:cs typeface="Roboto" panose="02000000000000000000" pitchFamily="2" charset="0"/>
               </a:rPr>
-              <a:t>ERP - Módulo</a:t>
+              <a:t>ERP – Módulo FIN</a:t>
             </a:r>
           </a:p>
         </p:txBody>
